--- a/SpMVC_One_01_Score/OneDay_Score_2021_06_24_김성훈.pptx
+++ b/SpMVC_One_01_Score/OneDay_Score_2021_06_24_김성훈.pptx
@@ -7,6 +7,7 @@
   <p:sldIdLst>
     <p:sldId id="256" r:id="rId2"/>
     <p:sldId id="257" r:id="rId3"/>
+    <p:sldId id="258" r:id="rId4"/>
   </p:sldIdLst>
   <p:sldSz cx="12192000" cy="6858000"/>
   <p:notesSz cx="6858000" cy="9144000"/>
@@ -702,7 +703,7 @@
           </a:lstStyle>
           <a:p>
             <a:r>
-              <a:rPr lang="ko-KR" altLang="en-US" smtClean="0"/>
+              <a:rPr lang="ko-KR" altLang="en-US"/>
               <a:t>마스터 제목 스타일 편집</a:t>
             </a:r>
             <a:endParaRPr lang="en-US" dirty="0"/>
@@ -822,7 +823,7 @@
           </a:lstStyle>
           <a:p>
             <a:r>
-              <a:rPr lang="ko-KR" altLang="en-US" smtClean="0"/>
+              <a:rPr lang="ko-KR" altLang="en-US"/>
               <a:t>마스터 부제목 스타일 편집</a:t>
             </a:r>
             <a:endParaRPr lang="en-US" dirty="0"/>
@@ -951,7 +952,7 @@
           </a:lstStyle>
           <a:p>
             <a:r>
-              <a:rPr lang="ko-KR" altLang="en-US" smtClean="0"/>
+              <a:rPr lang="ko-KR" altLang="en-US"/>
               <a:t>마스터 제목 스타일 편집</a:t>
             </a:r>
             <a:endParaRPr lang="en-US" dirty="0"/>
@@ -1074,7 +1075,7 @@
           <a:p>
             <a:pPr lvl="0"/>
             <a:r>
-              <a:rPr lang="ko-KR" altLang="en-US" smtClean="0"/>
+              <a:rPr lang="ko-KR" altLang="en-US"/>
               <a:t>마스터 텍스트 스타일을 편집합니다</a:t>
             </a:r>
           </a:p>
@@ -1202,7 +1203,7 @@
           </a:lstStyle>
           <a:p>
             <a:r>
-              <a:rPr lang="ko-KR" altLang="en-US" smtClean="0"/>
+              <a:rPr lang="ko-KR" altLang="en-US"/>
               <a:t>마스터 제목 스타일 편집</a:t>
             </a:r>
             <a:endParaRPr lang="en-US" dirty="0"/>
@@ -1266,7 +1267,7 @@
           <a:p>
             <a:pPr lvl="0"/>
             <a:r>
-              <a:rPr lang="ko-KR" altLang="en-US" smtClean="0"/>
+              <a:rPr lang="ko-KR" altLang="en-US"/>
               <a:t>마스터 텍스트 스타일을 편집합니다</a:t>
             </a:r>
           </a:p>
@@ -1388,7 +1389,7 @@
           <a:p>
             <a:pPr lvl="0"/>
             <a:r>
-              <a:rPr lang="ko-KR" altLang="en-US" smtClean="0"/>
+              <a:rPr lang="ko-KR" altLang="en-US"/>
               <a:t>마스터 텍스트 스타일을 편집합니다</a:t>
             </a:r>
           </a:p>
@@ -1606,7 +1607,7 @@
           </a:lstStyle>
           <a:p>
             <a:r>
-              <a:rPr lang="ko-KR" altLang="en-US" smtClean="0"/>
+              <a:rPr lang="ko-KR" altLang="en-US"/>
               <a:t>마스터 제목 스타일 편집</a:t>
             </a:r>
             <a:endParaRPr lang="en-US" dirty="0"/>
@@ -1729,7 +1730,7 @@
           <a:p>
             <a:pPr lvl="0"/>
             <a:r>
-              <a:rPr lang="ko-KR" altLang="en-US" smtClean="0"/>
+              <a:rPr lang="ko-KR" altLang="en-US"/>
               <a:t>마스터 텍스트 스타일을 편집합니다</a:t>
             </a:r>
           </a:p>
@@ -1857,7 +1858,7 @@
           </a:lstStyle>
           <a:p>
             <a:r>
-              <a:rPr lang="ko-KR" altLang="en-US" smtClean="0"/>
+              <a:rPr lang="ko-KR" altLang="en-US"/>
               <a:t>마스터 제목 스타일 편집</a:t>
             </a:r>
             <a:endParaRPr lang="en-US" dirty="0"/>
@@ -1921,7 +1922,7 @@
           <a:p>
             <a:pPr lvl="0"/>
             <a:r>
-              <a:rPr lang="ko-KR" altLang="en-US" smtClean="0"/>
+              <a:rPr lang="ko-KR" altLang="en-US"/>
               <a:t>마스터 텍스트 스타일을 편집합니다</a:t>
             </a:r>
           </a:p>
@@ -2043,7 +2044,7 @@
           <a:p>
             <a:pPr lvl="0"/>
             <a:r>
-              <a:rPr lang="ko-KR" altLang="en-US" smtClean="0"/>
+              <a:rPr lang="ko-KR" altLang="en-US"/>
               <a:t>마스터 텍스트 스타일을 편집합니다</a:t>
             </a:r>
           </a:p>
@@ -2253,7 +2254,7 @@
           </a:lstStyle>
           <a:p>
             <a:r>
-              <a:rPr lang="ko-KR" altLang="en-US" smtClean="0"/>
+              <a:rPr lang="ko-KR" altLang="en-US"/>
               <a:t>마스터 제목 스타일 편집</a:t>
             </a:r>
             <a:endParaRPr lang="en-US" dirty="0"/>
@@ -2314,7 +2315,7 @@
           <a:p>
             <a:pPr lvl="0"/>
             <a:r>
-              <a:rPr lang="ko-KR" altLang="en-US" smtClean="0"/>
+              <a:rPr lang="ko-KR" altLang="en-US"/>
               <a:t>마스터 텍스트 스타일을 편집합니다</a:t>
             </a:r>
           </a:p>
@@ -2436,7 +2437,7 @@
           <a:p>
             <a:pPr lvl="0"/>
             <a:r>
-              <a:rPr lang="ko-KR" altLang="en-US" smtClean="0"/>
+              <a:rPr lang="ko-KR" altLang="en-US"/>
               <a:t>마스터 텍스트 스타일을 편집합니다</a:t>
             </a:r>
           </a:p>
@@ -2553,7 +2554,7 @@
           <a:lstStyle/>
           <a:p>
             <a:r>
-              <a:rPr lang="ko-KR" altLang="en-US" smtClean="0"/>
+              <a:rPr lang="ko-KR" altLang="en-US"/>
               <a:t>마스터 제목 스타일 편집</a:t>
             </a:r>
             <a:endParaRPr lang="en-US" dirty="0"/>
@@ -2577,35 +2578,35 @@
           <a:p>
             <a:pPr lvl="0"/>
             <a:r>
-              <a:rPr lang="ko-KR" altLang="en-US" smtClean="0"/>
+              <a:rPr lang="ko-KR" altLang="en-US"/>
               <a:t>마스터 텍스트 스타일을 편집합니다</a:t>
             </a:r>
           </a:p>
           <a:p>
             <a:pPr lvl="1"/>
             <a:r>
-              <a:rPr lang="ko-KR" altLang="en-US" smtClean="0"/>
+              <a:rPr lang="ko-KR" altLang="en-US"/>
               <a:t>둘째 수준</a:t>
             </a:r>
           </a:p>
           <a:p>
             <a:pPr lvl="2"/>
             <a:r>
-              <a:rPr lang="ko-KR" altLang="en-US" smtClean="0"/>
+              <a:rPr lang="ko-KR" altLang="en-US"/>
               <a:t>셋째 수준</a:t>
             </a:r>
           </a:p>
           <a:p>
             <a:pPr lvl="3"/>
             <a:r>
-              <a:rPr lang="ko-KR" altLang="en-US" smtClean="0"/>
+              <a:rPr lang="ko-KR" altLang="en-US"/>
               <a:t>넷째 수준</a:t>
             </a:r>
           </a:p>
           <a:p>
             <a:pPr lvl="4"/>
             <a:r>
-              <a:rPr lang="ko-KR" altLang="en-US" smtClean="0"/>
+              <a:rPr lang="ko-KR" altLang="en-US"/>
               <a:t>다섯째 수준</a:t>
             </a:r>
             <a:endParaRPr lang="en-US" dirty="0"/>
@@ -2728,7 +2729,7 @@
           <a:lstStyle/>
           <a:p>
             <a:r>
-              <a:rPr lang="ko-KR" altLang="en-US" smtClean="0"/>
+              <a:rPr lang="ko-KR" altLang="en-US"/>
               <a:t>마스터 제목 스타일 편집</a:t>
             </a:r>
             <a:endParaRPr lang="en-US" dirty="0"/>
@@ -2757,35 +2758,35 @@
           <a:p>
             <a:pPr lvl="0"/>
             <a:r>
-              <a:rPr lang="ko-KR" altLang="en-US" smtClean="0"/>
+              <a:rPr lang="ko-KR" altLang="en-US"/>
               <a:t>마스터 텍스트 스타일을 편집합니다</a:t>
             </a:r>
           </a:p>
           <a:p>
             <a:pPr lvl="1"/>
             <a:r>
-              <a:rPr lang="ko-KR" altLang="en-US" smtClean="0"/>
+              <a:rPr lang="ko-KR" altLang="en-US"/>
               <a:t>둘째 수준</a:t>
             </a:r>
           </a:p>
           <a:p>
             <a:pPr lvl="2"/>
             <a:r>
-              <a:rPr lang="ko-KR" altLang="en-US" smtClean="0"/>
+              <a:rPr lang="ko-KR" altLang="en-US"/>
               <a:t>셋째 수준</a:t>
             </a:r>
           </a:p>
           <a:p>
             <a:pPr lvl="3"/>
             <a:r>
-              <a:rPr lang="ko-KR" altLang="en-US" smtClean="0"/>
+              <a:rPr lang="ko-KR" altLang="en-US"/>
               <a:t>넷째 수준</a:t>
             </a:r>
           </a:p>
           <a:p>
             <a:pPr lvl="4"/>
             <a:r>
-              <a:rPr lang="ko-KR" altLang="en-US" smtClean="0"/>
+              <a:rPr lang="ko-KR" altLang="en-US"/>
               <a:t>다섯째 수준</a:t>
             </a:r>
             <a:endParaRPr lang="en-US" dirty="0"/>
@@ -2909,7 +2910,7 @@
           </a:lstStyle>
           <a:p>
             <a:r>
-              <a:rPr lang="ko-KR" altLang="en-US" smtClean="0"/>
+              <a:rPr lang="ko-KR" altLang="en-US"/>
               <a:t>마스터 제목 스타일 편집</a:t>
             </a:r>
             <a:endParaRPr lang="en-US" dirty="0"/>
@@ -2933,35 +2934,35 @@
           <a:p>
             <a:pPr lvl="0"/>
             <a:r>
-              <a:rPr lang="ko-KR" altLang="en-US" smtClean="0"/>
+              <a:rPr lang="ko-KR" altLang="en-US"/>
               <a:t>마스터 텍스트 스타일을 편집합니다</a:t>
             </a:r>
           </a:p>
           <a:p>
             <a:pPr lvl="1"/>
             <a:r>
-              <a:rPr lang="ko-KR" altLang="en-US" smtClean="0"/>
+              <a:rPr lang="ko-KR" altLang="en-US"/>
               <a:t>둘째 수준</a:t>
             </a:r>
           </a:p>
           <a:p>
             <a:pPr lvl="2"/>
             <a:r>
-              <a:rPr lang="ko-KR" altLang="en-US" smtClean="0"/>
+              <a:rPr lang="ko-KR" altLang="en-US"/>
               <a:t>셋째 수준</a:t>
             </a:r>
           </a:p>
           <a:p>
             <a:pPr lvl="3"/>
             <a:r>
-              <a:rPr lang="ko-KR" altLang="en-US" smtClean="0"/>
+              <a:rPr lang="ko-KR" altLang="en-US"/>
               <a:t>넷째 수준</a:t>
             </a:r>
           </a:p>
           <a:p>
             <a:pPr lvl="4"/>
             <a:r>
-              <a:rPr lang="ko-KR" altLang="en-US" smtClean="0"/>
+              <a:rPr lang="ko-KR" altLang="en-US"/>
               <a:t>다섯째 수준</a:t>
             </a:r>
             <a:endParaRPr lang="en-US" dirty="0"/>
@@ -3088,7 +3089,7 @@
           </a:lstStyle>
           <a:p>
             <a:r>
-              <a:rPr lang="ko-KR" altLang="en-US" smtClean="0"/>
+              <a:rPr lang="ko-KR" altLang="en-US"/>
               <a:t>마스터 제목 스타일 편집</a:t>
             </a:r>
             <a:endParaRPr lang="en-US" dirty="0"/>
@@ -3209,7 +3210,7 @@
           <a:p>
             <a:pPr lvl="0"/>
             <a:r>
-              <a:rPr lang="ko-KR" altLang="en-US" smtClean="0"/>
+              <a:rPr lang="ko-KR" altLang="en-US"/>
               <a:t>마스터 텍스트 스타일을 편집합니다</a:t>
             </a:r>
           </a:p>
@@ -3326,7 +3327,7 @@
           <a:lstStyle/>
           <a:p>
             <a:r>
-              <a:rPr lang="ko-KR" altLang="en-US" smtClean="0"/>
+              <a:rPr lang="ko-KR" altLang="en-US"/>
               <a:t>마스터 제목 스타일 편집</a:t>
             </a:r>
             <a:endParaRPr lang="en-US" dirty="0"/>
@@ -3355,35 +3356,35 @@
           <a:p>
             <a:pPr lvl="0"/>
             <a:r>
-              <a:rPr lang="ko-KR" altLang="en-US" smtClean="0"/>
+              <a:rPr lang="ko-KR" altLang="en-US"/>
               <a:t>마스터 텍스트 스타일을 편집합니다</a:t>
             </a:r>
           </a:p>
           <a:p>
             <a:pPr lvl="1"/>
             <a:r>
-              <a:rPr lang="ko-KR" altLang="en-US" smtClean="0"/>
+              <a:rPr lang="ko-KR" altLang="en-US"/>
               <a:t>둘째 수준</a:t>
             </a:r>
           </a:p>
           <a:p>
             <a:pPr lvl="2"/>
             <a:r>
-              <a:rPr lang="ko-KR" altLang="en-US" smtClean="0"/>
+              <a:rPr lang="ko-KR" altLang="en-US"/>
               <a:t>셋째 수준</a:t>
             </a:r>
           </a:p>
           <a:p>
             <a:pPr lvl="3"/>
             <a:r>
-              <a:rPr lang="ko-KR" altLang="en-US" smtClean="0"/>
+              <a:rPr lang="ko-KR" altLang="en-US"/>
               <a:t>넷째 수준</a:t>
             </a:r>
           </a:p>
           <a:p>
             <a:pPr lvl="4"/>
             <a:r>
-              <a:rPr lang="ko-KR" altLang="en-US" smtClean="0"/>
+              <a:rPr lang="ko-KR" altLang="en-US"/>
               <a:t>다섯째 수준</a:t>
             </a:r>
             <a:endParaRPr lang="en-US" dirty="0"/>
@@ -3412,35 +3413,35 @@
           <a:p>
             <a:pPr lvl="0"/>
             <a:r>
-              <a:rPr lang="ko-KR" altLang="en-US" smtClean="0"/>
+              <a:rPr lang="ko-KR" altLang="en-US"/>
               <a:t>마스터 텍스트 스타일을 편집합니다</a:t>
             </a:r>
           </a:p>
           <a:p>
             <a:pPr lvl="1"/>
             <a:r>
-              <a:rPr lang="ko-KR" altLang="en-US" smtClean="0"/>
+              <a:rPr lang="ko-KR" altLang="en-US"/>
               <a:t>둘째 수준</a:t>
             </a:r>
           </a:p>
           <a:p>
             <a:pPr lvl="2"/>
             <a:r>
-              <a:rPr lang="ko-KR" altLang="en-US" smtClean="0"/>
+              <a:rPr lang="ko-KR" altLang="en-US"/>
               <a:t>셋째 수준</a:t>
             </a:r>
           </a:p>
           <a:p>
             <a:pPr lvl="3"/>
             <a:r>
-              <a:rPr lang="ko-KR" altLang="en-US" smtClean="0"/>
+              <a:rPr lang="ko-KR" altLang="en-US"/>
               <a:t>넷째 수준</a:t>
             </a:r>
           </a:p>
           <a:p>
             <a:pPr lvl="4"/>
             <a:r>
-              <a:rPr lang="ko-KR" altLang="en-US" smtClean="0"/>
+              <a:rPr lang="ko-KR" altLang="en-US"/>
               <a:t>다섯째 수준</a:t>
             </a:r>
             <a:endParaRPr lang="en-US" dirty="0"/>
@@ -3562,7 +3563,7 @@
           </a:lstStyle>
           <a:p>
             <a:r>
-              <a:rPr lang="ko-KR" altLang="en-US" smtClean="0"/>
+              <a:rPr lang="ko-KR" altLang="en-US"/>
               <a:t>마스터 제목 스타일 편집</a:t>
             </a:r>
             <a:endParaRPr lang="en-US" dirty="0"/>
@@ -3630,7 +3631,7 @@
           <a:p>
             <a:pPr lvl="0"/>
             <a:r>
-              <a:rPr lang="ko-KR" altLang="en-US" smtClean="0"/>
+              <a:rPr lang="ko-KR" altLang="en-US"/>
               <a:t>마스터 텍스트 스타일을 편집합니다</a:t>
             </a:r>
           </a:p>
@@ -3660,35 +3661,35 @@
           <a:p>
             <a:pPr lvl="0"/>
             <a:r>
-              <a:rPr lang="ko-KR" altLang="en-US" smtClean="0"/>
+              <a:rPr lang="ko-KR" altLang="en-US"/>
               <a:t>마스터 텍스트 스타일을 편집합니다</a:t>
             </a:r>
           </a:p>
           <a:p>
             <a:pPr lvl="1"/>
             <a:r>
-              <a:rPr lang="ko-KR" altLang="en-US" smtClean="0"/>
+              <a:rPr lang="ko-KR" altLang="en-US"/>
               <a:t>둘째 수준</a:t>
             </a:r>
           </a:p>
           <a:p>
             <a:pPr lvl="2"/>
             <a:r>
-              <a:rPr lang="ko-KR" altLang="en-US" smtClean="0"/>
+              <a:rPr lang="ko-KR" altLang="en-US"/>
               <a:t>셋째 수준</a:t>
             </a:r>
           </a:p>
           <a:p>
             <a:pPr lvl="3"/>
             <a:r>
-              <a:rPr lang="ko-KR" altLang="en-US" smtClean="0"/>
+              <a:rPr lang="ko-KR" altLang="en-US"/>
               <a:t>넷째 수준</a:t>
             </a:r>
           </a:p>
           <a:p>
             <a:pPr lvl="4"/>
             <a:r>
-              <a:rPr lang="ko-KR" altLang="en-US" smtClean="0"/>
+              <a:rPr lang="ko-KR" altLang="en-US"/>
               <a:t>다섯째 수준</a:t>
             </a:r>
             <a:endParaRPr lang="en-US" dirty="0"/>
@@ -3756,7 +3757,7 @@
           <a:p>
             <a:pPr lvl="0"/>
             <a:r>
-              <a:rPr lang="ko-KR" altLang="en-US" smtClean="0"/>
+              <a:rPr lang="ko-KR" altLang="en-US"/>
               <a:t>마스터 텍스트 스타일을 편집합니다</a:t>
             </a:r>
           </a:p>
@@ -3786,35 +3787,35 @@
           <a:p>
             <a:pPr lvl="0"/>
             <a:r>
-              <a:rPr lang="ko-KR" altLang="en-US" smtClean="0"/>
+              <a:rPr lang="ko-KR" altLang="en-US"/>
               <a:t>마스터 텍스트 스타일을 편집합니다</a:t>
             </a:r>
           </a:p>
           <a:p>
             <a:pPr lvl="1"/>
             <a:r>
-              <a:rPr lang="ko-KR" altLang="en-US" smtClean="0"/>
+              <a:rPr lang="ko-KR" altLang="en-US"/>
               <a:t>둘째 수준</a:t>
             </a:r>
           </a:p>
           <a:p>
             <a:pPr lvl="2"/>
             <a:r>
-              <a:rPr lang="ko-KR" altLang="en-US" smtClean="0"/>
+              <a:rPr lang="ko-KR" altLang="en-US"/>
               <a:t>셋째 수준</a:t>
             </a:r>
           </a:p>
           <a:p>
             <a:pPr lvl="3"/>
             <a:r>
-              <a:rPr lang="ko-KR" altLang="en-US" smtClean="0"/>
+              <a:rPr lang="ko-KR" altLang="en-US"/>
               <a:t>넷째 수준</a:t>
             </a:r>
           </a:p>
           <a:p>
             <a:pPr lvl="4"/>
             <a:r>
-              <a:rPr lang="ko-KR" altLang="en-US" smtClean="0"/>
+              <a:rPr lang="ko-KR" altLang="en-US"/>
               <a:t>다섯째 수준</a:t>
             </a:r>
             <a:endParaRPr lang="en-US" dirty="0"/>
@@ -3937,7 +3938,7 @@
           <a:lstStyle/>
           <a:p>
             <a:r>
-              <a:rPr lang="ko-KR" altLang="en-US" smtClean="0"/>
+              <a:rPr lang="ko-KR" altLang="en-US"/>
               <a:t>마스터 제목 스타일 편집</a:t>
             </a:r>
             <a:endParaRPr lang="en-US" dirty="0"/>
@@ -4161,7 +4162,7 @@
           </a:lstStyle>
           <a:p>
             <a:r>
-              <a:rPr lang="ko-KR" altLang="en-US" smtClean="0"/>
+              <a:rPr lang="ko-KR" altLang="en-US"/>
               <a:t>마스터 제목 스타일 편집</a:t>
             </a:r>
             <a:endParaRPr lang="en-US" dirty="0"/>
@@ -4192,35 +4193,35 @@
           <a:p>
             <a:pPr lvl="0"/>
             <a:r>
-              <a:rPr lang="ko-KR" altLang="en-US" smtClean="0"/>
+              <a:rPr lang="ko-KR" altLang="en-US"/>
               <a:t>마스터 텍스트 스타일을 편집합니다</a:t>
             </a:r>
           </a:p>
           <a:p>
             <a:pPr lvl="1"/>
             <a:r>
-              <a:rPr lang="ko-KR" altLang="en-US" smtClean="0"/>
+              <a:rPr lang="ko-KR" altLang="en-US"/>
               <a:t>둘째 수준</a:t>
             </a:r>
           </a:p>
           <a:p>
             <a:pPr lvl="2"/>
             <a:r>
-              <a:rPr lang="ko-KR" altLang="en-US" smtClean="0"/>
+              <a:rPr lang="ko-KR" altLang="en-US"/>
               <a:t>셋째 수준</a:t>
             </a:r>
           </a:p>
           <a:p>
             <a:pPr lvl="3"/>
             <a:r>
-              <a:rPr lang="ko-KR" altLang="en-US" smtClean="0"/>
+              <a:rPr lang="ko-KR" altLang="en-US"/>
               <a:t>넷째 수준</a:t>
             </a:r>
           </a:p>
           <a:p>
             <a:pPr lvl="4"/>
             <a:r>
-              <a:rPr lang="ko-KR" altLang="en-US" smtClean="0"/>
+              <a:rPr lang="ko-KR" altLang="en-US"/>
               <a:t>다섯째 수준</a:t>
             </a:r>
             <a:endParaRPr lang="en-US" dirty="0"/>
@@ -4288,7 +4289,7 @@
           <a:p>
             <a:pPr lvl="0"/>
             <a:r>
-              <a:rPr lang="ko-KR" altLang="en-US" smtClean="0"/>
+              <a:rPr lang="ko-KR" altLang="en-US"/>
               <a:t>마스터 텍스트 스타일을 편집합니다</a:t>
             </a:r>
           </a:p>
@@ -4416,7 +4417,7 @@
           </a:lstStyle>
           <a:p>
             <a:r>
-              <a:rPr lang="ko-KR" altLang="en-US" smtClean="0"/>
+              <a:rPr lang="ko-KR" altLang="en-US"/>
               <a:t>마스터 제목 스타일 편집</a:t>
             </a:r>
             <a:endParaRPr lang="en-US" dirty="0"/>
@@ -4483,7 +4484,7 @@
           </a:lstStyle>
           <a:p>
             <a:r>
-              <a:rPr lang="ko-KR" altLang="en-US" smtClean="0"/>
+              <a:rPr lang="ko-KR" altLang="en-US"/>
               <a:t>그림을 추가하려면 아이콘을 클릭하십시오</a:t>
             </a:r>
             <a:endParaRPr lang="en-US" dirty="0"/>
@@ -4551,7 +4552,7 @@
           <a:p>
             <a:pPr lvl="0"/>
             <a:r>
-              <a:rPr lang="ko-KR" altLang="en-US" smtClean="0"/>
+              <a:rPr lang="ko-KR" altLang="en-US"/>
               <a:t>마스터 텍스트 스타일을 편집합니다</a:t>
             </a:r>
           </a:p>
@@ -5213,7 +5214,7 @@
           <a:lstStyle/>
           <a:p>
             <a:r>
-              <a:rPr lang="ko-KR" altLang="en-US" smtClean="0"/>
+              <a:rPr lang="ko-KR" altLang="en-US"/>
               <a:t>마스터 제목 스타일 편집</a:t>
             </a:r>
             <a:endParaRPr lang="en-US" dirty="0"/>
@@ -5247,35 +5248,35 @@
           <a:p>
             <a:pPr lvl="0"/>
             <a:r>
-              <a:rPr lang="ko-KR" altLang="en-US" smtClean="0"/>
+              <a:rPr lang="ko-KR" altLang="en-US"/>
               <a:t>마스터 텍스트 스타일을 편집합니다</a:t>
             </a:r>
           </a:p>
           <a:p>
             <a:pPr lvl="1"/>
             <a:r>
-              <a:rPr lang="ko-KR" altLang="en-US" smtClean="0"/>
+              <a:rPr lang="ko-KR" altLang="en-US"/>
               <a:t>둘째 수준</a:t>
             </a:r>
           </a:p>
           <a:p>
             <a:pPr lvl="2"/>
             <a:r>
-              <a:rPr lang="ko-KR" altLang="en-US" smtClean="0"/>
+              <a:rPr lang="ko-KR" altLang="en-US"/>
               <a:t>셋째 수준</a:t>
             </a:r>
           </a:p>
           <a:p>
             <a:pPr lvl="3"/>
             <a:r>
-              <a:rPr lang="ko-KR" altLang="en-US" smtClean="0"/>
+              <a:rPr lang="ko-KR" altLang="en-US"/>
               <a:t>넷째 수준</a:t>
             </a:r>
           </a:p>
           <a:p>
             <a:pPr lvl="4"/>
             <a:r>
-              <a:rPr lang="ko-KR" altLang="en-US" smtClean="0"/>
+              <a:rPr lang="ko-KR" altLang="en-US"/>
               <a:t>다섯째 수준</a:t>
             </a:r>
             <a:endParaRPr lang="en-US" dirty="0"/>
@@ -5863,10 +5864,9 @@
           <a:p>
             <a:pPr algn="ctr"/>
             <a:r>
-              <a:rPr lang="ko-KR" altLang="en-US" dirty="0" smtClean="0"/>
+              <a:rPr lang="ko-KR" altLang="en-US" dirty="0"/>
               <a:t>대한고교 성적처리</a:t>
             </a:r>
-            <a:endParaRPr lang="ko-KR" altLang="en-US" dirty="0"/>
           </a:p>
         </p:txBody>
       </p:sp>
@@ -5906,13 +5906,6 @@
   <p:clrMapOvr>
     <a:masterClrMapping/>
   </p:clrMapOvr>
-  <p:timing>
-    <p:tnLst>
-      <p:par>
-        <p:cTn id="1" dur="indefinite" restart="never" nodeType="tmRoot"/>
-      </p:par>
-    </p:tnLst>
-  </p:timing>
 </p:sld>
 </file>
 
@@ -5967,13 +5960,66 @@
   <p:clrMapOvr>
     <a:masterClrMapping/>
   </p:clrMapOvr>
-  <p:timing>
-    <p:tnLst>
-      <p:par>
-        <p:cTn id="1" dur="indefinite" restart="never" nodeType="tmRoot"/>
-      </p:par>
-    </p:tnLst>
-  </p:timing>
+</p:sld>
+</file>
+
+<file path=ppt/slides/slide3.xml><?xml version="1.0" encoding="utf-8"?>
+<p:sld xmlns:a="http://schemas.openxmlformats.org/drawingml/2006/main" xmlns:r="http://schemas.openxmlformats.org/officeDocument/2006/relationships" xmlns:p="http://schemas.openxmlformats.org/presentationml/2006/main">
+  <p:cSld>
+    <p:spTree>
+      <p:nvGrpSpPr>
+        <p:cNvPr id="1" name=""/>
+        <p:cNvGrpSpPr/>
+        <p:nvPr/>
+      </p:nvGrpSpPr>
+      <p:grpSpPr>
+        <a:xfrm>
+          <a:off x="0" y="0"/>
+          <a:ext cx="0" cy="0"/>
+          <a:chOff x="0" y="0"/>
+          <a:chExt cx="0" cy="0"/>
+        </a:xfrm>
+      </p:grpSpPr>
+      <p:pic>
+        <p:nvPicPr>
+          <p:cNvPr id="3" name="그림 2">
+            <a:extLst>
+              <a:ext uri="{FF2B5EF4-FFF2-40B4-BE49-F238E27FC236}">
+                <a16:creationId xmlns:a16="http://schemas.microsoft.com/office/drawing/2014/main" id="{FF4CD536-B3C6-42D2-94F7-E50679ABE9D7}"/>
+              </a:ext>
+            </a:extLst>
+          </p:cNvPr>
+          <p:cNvPicPr>
+            <a:picLocks noChangeAspect="1"/>
+          </p:cNvPicPr>
+          <p:nvPr/>
+        </p:nvPicPr>
+        <p:blipFill>
+          <a:blip r:embed="rId2"/>
+          <a:stretch>
+            <a:fillRect/>
+          </a:stretch>
+        </p:blipFill>
+        <p:spPr>
+          <a:xfrm>
+            <a:off x="0" y="1698625"/>
+            <a:ext cx="12192000" cy="3460750"/>
+          </a:xfrm>
+          <a:prstGeom prst="rect">
+            <a:avLst/>
+          </a:prstGeom>
+        </p:spPr>
+      </p:pic>
+    </p:spTree>
+    <p:extLst>
+      <p:ext uri="{BB962C8B-B14F-4D97-AF65-F5344CB8AC3E}">
+        <p14:creationId xmlns:p14="http://schemas.microsoft.com/office/powerpoint/2010/main" val="2590651215"/>
+      </p:ext>
+    </p:extLst>
+  </p:cSld>
+  <p:clrMapOvr>
+    <a:masterClrMapping/>
+  </p:clrMapOvr>
 </p:sld>
 </file>
 
